--- a/Netcom/Wi-Fi_Introduction.pptx
+++ b/Netcom/Wi-Fi_Introduction.pptx
@@ -27,6 +27,7 @@
     <p:sldId id="269" r:id="rId21"/>
     <p:sldId id="258" r:id="rId22"/>
     <p:sldId id="270" r:id="rId23"/>
+    <p:sldId id="286" r:id="rId24"/>
   </p:sldIdLst>
   <p:sldSz cx="9144000" cy="6858000" type="screen4x3"/>
   <p:notesSz cx="6858000" cy="9144000"/>
@@ -309,7 +310,7 @@
           <a:p>
             <a:fld id="{5BBEAD13-0566-4C6C-97E7-55F17F24B09F}" type="datetimeFigureOut">
               <a:rPr lang="zh-TW" altLang="en-US" smtClean="0"/>
-              <a:t>2018/10/23</a:t>
+              <a:t>2020/6/29</a:t>
             </a:fld>
             <a:endParaRPr lang="zh-TW" altLang="en-US"/>
           </a:p>
@@ -474,7 +475,7 @@
           <a:p>
             <a:fld id="{5BBEAD13-0566-4C6C-97E7-55F17F24B09F}" type="datetimeFigureOut">
               <a:rPr lang="zh-TW" altLang="en-US" smtClean="0"/>
-              <a:t>2018/10/23</a:t>
+              <a:t>2020/6/29</a:t>
             </a:fld>
             <a:endParaRPr lang="zh-TW" altLang="en-US"/>
           </a:p>
@@ -649,7 +650,7 @@
           <a:p>
             <a:fld id="{5BBEAD13-0566-4C6C-97E7-55F17F24B09F}" type="datetimeFigureOut">
               <a:rPr lang="zh-TW" altLang="en-US" smtClean="0"/>
-              <a:t>2018/10/23</a:t>
+              <a:t>2020/6/29</a:t>
             </a:fld>
             <a:endParaRPr lang="zh-TW" altLang="en-US"/>
           </a:p>
@@ -814,7 +815,7 @@
           <a:p>
             <a:fld id="{5BBEAD13-0566-4C6C-97E7-55F17F24B09F}" type="datetimeFigureOut">
               <a:rPr lang="zh-TW" altLang="en-US" smtClean="0"/>
-              <a:t>2018/10/23</a:t>
+              <a:t>2020/6/29</a:t>
             </a:fld>
             <a:endParaRPr lang="zh-TW" altLang="en-US"/>
           </a:p>
@@ -1055,7 +1056,7 @@
           <a:p>
             <a:fld id="{5BBEAD13-0566-4C6C-97E7-55F17F24B09F}" type="datetimeFigureOut">
               <a:rPr lang="zh-TW" altLang="en-US" smtClean="0"/>
-              <a:t>2018/10/23</a:t>
+              <a:t>2020/6/29</a:t>
             </a:fld>
             <a:endParaRPr lang="zh-TW" altLang="en-US"/>
           </a:p>
@@ -1338,7 +1339,7 @@
           <a:p>
             <a:fld id="{5BBEAD13-0566-4C6C-97E7-55F17F24B09F}" type="datetimeFigureOut">
               <a:rPr lang="zh-TW" altLang="en-US" smtClean="0"/>
-              <a:t>2018/10/23</a:t>
+              <a:t>2020/6/29</a:t>
             </a:fld>
             <a:endParaRPr lang="zh-TW" altLang="en-US"/>
           </a:p>
@@ -1755,7 +1756,7 @@
           <a:p>
             <a:fld id="{5BBEAD13-0566-4C6C-97E7-55F17F24B09F}" type="datetimeFigureOut">
               <a:rPr lang="zh-TW" altLang="en-US" smtClean="0"/>
-              <a:t>2018/10/23</a:t>
+              <a:t>2020/6/29</a:t>
             </a:fld>
             <a:endParaRPr lang="zh-TW" altLang="en-US"/>
           </a:p>
@@ -1868,7 +1869,7 @@
           <a:p>
             <a:fld id="{5BBEAD13-0566-4C6C-97E7-55F17F24B09F}" type="datetimeFigureOut">
               <a:rPr lang="zh-TW" altLang="en-US" smtClean="0"/>
-              <a:t>2018/10/23</a:t>
+              <a:t>2020/6/29</a:t>
             </a:fld>
             <a:endParaRPr lang="zh-TW" altLang="en-US"/>
           </a:p>
@@ -1958,7 +1959,7 @@
           <a:p>
             <a:fld id="{5BBEAD13-0566-4C6C-97E7-55F17F24B09F}" type="datetimeFigureOut">
               <a:rPr lang="zh-TW" altLang="en-US" smtClean="0"/>
-              <a:t>2018/10/23</a:t>
+              <a:t>2020/6/29</a:t>
             </a:fld>
             <a:endParaRPr lang="zh-TW" altLang="en-US"/>
           </a:p>
@@ -2230,7 +2231,7 @@
           <a:p>
             <a:fld id="{5BBEAD13-0566-4C6C-97E7-55F17F24B09F}" type="datetimeFigureOut">
               <a:rPr lang="zh-TW" altLang="en-US" smtClean="0"/>
-              <a:t>2018/10/23</a:t>
+              <a:t>2020/6/29</a:t>
             </a:fld>
             <a:endParaRPr lang="zh-TW" altLang="en-US"/>
           </a:p>
@@ -2478,7 +2479,7 @@
           <a:p>
             <a:fld id="{5BBEAD13-0566-4C6C-97E7-55F17F24B09F}" type="datetimeFigureOut">
               <a:rPr lang="zh-TW" altLang="en-US" smtClean="0"/>
-              <a:t>2018/10/23</a:t>
+              <a:t>2020/6/29</a:t>
             </a:fld>
             <a:endParaRPr lang="zh-TW" altLang="en-US"/>
           </a:p>
@@ -2686,7 +2687,7 @@
           <a:p>
             <a:fld id="{5BBEAD13-0566-4C6C-97E7-55F17F24B09F}" type="datetimeFigureOut">
               <a:rPr lang="zh-TW" altLang="en-US" smtClean="0"/>
-              <a:t>2018/10/23</a:t>
+              <a:t>2020/6/29</a:t>
             </a:fld>
             <a:endParaRPr lang="zh-TW" altLang="en-US"/>
           </a:p>
@@ -7196,6 +7197,125 @@
 </p:sld>
 </file>
 
+<file path=ppt/slides/slide23.xml><?xml version="1.0" encoding="utf-8"?>
+<p:sld xmlns:a="http://schemas.openxmlformats.org/drawingml/2006/main" xmlns:r="http://schemas.openxmlformats.org/officeDocument/2006/relationships" xmlns:p="http://schemas.openxmlformats.org/presentationml/2006/main">
+  <p:cSld>
+    <p:spTree>
+      <p:nvGrpSpPr>
+        <p:cNvPr id="1" name=""/>
+        <p:cNvGrpSpPr/>
+        <p:nvPr/>
+      </p:nvGrpSpPr>
+      <p:grpSpPr>
+        <a:xfrm>
+          <a:off x="0" y="0"/>
+          <a:ext cx="0" cy="0"/>
+          <a:chOff x="0" y="0"/>
+          <a:chExt cx="0" cy="0"/>
+        </a:xfrm>
+      </p:grpSpPr>
+      <p:sp>
+        <p:nvSpPr>
+          <p:cNvPr id="2" name="標題 1"/>
+          <p:cNvSpPr>
+            <a:spLocks noGrp="1"/>
+          </p:cNvSpPr>
+          <p:nvPr>
+            <p:ph type="title"/>
+          </p:nvPr>
+        </p:nvSpPr>
+        <p:spPr/>
+        <p:txBody>
+          <a:bodyPr/>
+          <a:lstStyle/>
+          <a:p>
+            <a:r>
+              <a:rPr lang="en-US" altLang="zh-TW" dirty="0" smtClean="0"/>
+              <a:t>Aggregation</a:t>
+            </a:r>
+            <a:endParaRPr lang="zh-TW" altLang="en-US" dirty="0"/>
+          </a:p>
+        </p:txBody>
+      </p:sp>
+      <p:sp>
+        <p:nvSpPr>
+          <p:cNvPr id="3" name="內容版面配置區 2"/>
+          <p:cNvSpPr>
+            <a:spLocks noGrp="1"/>
+          </p:cNvSpPr>
+          <p:nvPr>
+            <p:ph idx="1"/>
+          </p:nvPr>
+        </p:nvSpPr>
+        <p:spPr/>
+        <p:txBody>
+          <a:bodyPr/>
+          <a:lstStyle/>
+          <a:p>
+            <a:r>
+              <a:rPr lang="en-US" altLang="zh-TW" dirty="0">
+                <a:hlinkClick r:id="rId2"/>
+              </a:rPr>
+              <a:t>https://www.researchgate.net/figure/The-generation-of-A-MSDU-and-A-MPDU-frames-in-two-level-aggregation_fig3_305954949</a:t>
+            </a:r>
+            <a:endParaRPr lang="zh-TW" altLang="en-US" dirty="0"/>
+          </a:p>
+        </p:txBody>
+      </p:sp>
+      <p:pic>
+        <p:nvPicPr>
+          <p:cNvPr id="1026" name="Picture 2" descr="C:\Users\ADaei\Desktop\Aggregation.png"/>
+          <p:cNvPicPr>
+            <a:picLocks noChangeAspect="1" noChangeArrowheads="1"/>
+          </p:cNvPicPr>
+          <p:nvPr/>
+        </p:nvPicPr>
+        <p:blipFill>
+          <a:blip r:embed="rId3">
+            <a:extLst>
+              <a:ext uri="{28A0092B-C50C-407E-A947-70E740481C1C}">
+                <a14:useLocalDpi xmlns:a14="http://schemas.microsoft.com/office/drawing/2010/main" val="0"/>
+              </a:ext>
+            </a:extLst>
+          </a:blip>
+          <a:srcRect/>
+          <a:stretch>
+            <a:fillRect/>
+          </a:stretch>
+        </p:blipFill>
+        <p:spPr bwMode="auto">
+          <a:xfrm>
+            <a:off x="2699792" y="3215779"/>
+            <a:ext cx="3929410" cy="3134282"/>
+          </a:xfrm>
+          <a:prstGeom prst="rect">
+            <a:avLst/>
+          </a:prstGeom>
+          <a:noFill/>
+          <a:extLst>
+            <a:ext uri="{909E8E84-426E-40DD-AFC4-6F175D3DCCD1}">
+              <a14:hiddenFill xmlns:a14="http://schemas.microsoft.com/office/drawing/2010/main">
+                <a:solidFill>
+                  <a:srgbClr val="FFFFFF"/>
+                </a:solidFill>
+              </a14:hiddenFill>
+            </a:ext>
+          </a:extLst>
+        </p:spPr>
+      </p:pic>
+    </p:spTree>
+    <p:extLst>
+      <p:ext uri="{BB962C8B-B14F-4D97-AF65-F5344CB8AC3E}">
+        <p14:creationId xmlns:p14="http://schemas.microsoft.com/office/powerpoint/2010/main" val="476653632"/>
+      </p:ext>
+    </p:extLst>
+  </p:cSld>
+  <p:clrMapOvr>
+    <a:masterClrMapping/>
+  </p:clrMapOvr>
+</p:sld>
+</file>
+
 <file path=ppt/slides/slide3.xml><?xml version="1.0" encoding="utf-8"?>
 <p:sld xmlns:a="http://schemas.openxmlformats.org/drawingml/2006/main" xmlns:r="http://schemas.openxmlformats.org/officeDocument/2006/relationships" xmlns:p="http://schemas.openxmlformats.org/presentationml/2006/main">
   <p:cSld>
@@ -7430,11 +7550,7 @@
                     <a:p>
                       <a:r>
                         <a:rPr lang="en-US" altLang="zh-TW" sz="1200" dirty="0" smtClean="0"/>
-                        <a:t>Max </a:t>
-                      </a:r>
-                      <a:r>
-                        <a:rPr lang="en-US" altLang="zh-TW" sz="1200" dirty="0" smtClean="0"/>
-                        <a:t>Rate</a:t>
+                        <a:t>Max Rate</a:t>
                       </a:r>
                     </a:p>
                     <a:p>
@@ -7444,11 +7560,7 @@
                       </a:r>
                       <a:r>
                         <a:rPr lang="en-US" altLang="zh-TW" sz="1200" baseline="0" dirty="0" smtClean="0"/>
-                        <a:t> </a:t>
-                      </a:r>
-                      <a:r>
-                        <a:rPr lang="en-US" altLang="zh-TW" sz="1200" baseline="0" dirty="0" smtClean="0"/>
-                        <a:t>stream</a:t>
+                        <a:t> stream</a:t>
                       </a:r>
                       <a:endParaRPr lang="zh-TW" altLang="en-US" sz="1200" dirty="0"/>
                     </a:p>
